--- a/format-encodings/slide_presentations/.hidden/introduction-to-numbering-systems.pptx
+++ b/format-encodings/slide_presentations/.hidden/introduction-to-numbering-systems.pptx
@@ -12256,7 +12256,7 @@
         </p:nvSpPr>
         <p:spPr>
           <a:xfrm>
-            <a:off x="8326600" y="1315750"/>
+            <a:off x="7559158" y="1315750"/>
             <a:ext cx="775800" cy="3545400"/>
           </a:xfrm>
           <a:prstGeom prst="rect">
@@ -17567,7 +17567,7 @@
         </p:nvSpPr>
         <p:spPr>
           <a:xfrm>
-            <a:off x="1059900" y="-68075"/>
+            <a:off x="1057950" y="2062018"/>
             <a:ext cx="6588000" cy="597300"/>
           </a:xfrm>
           <a:prstGeom prst="rect">
@@ -17613,7 +17613,7 @@
         </p:nvSpPr>
         <p:spPr>
           <a:xfrm>
-            <a:off x="1059900" y="4258775"/>
+            <a:off x="1059900" y="3277630"/>
             <a:ext cx="6588000" cy="787200"/>
           </a:xfrm>
           <a:prstGeom prst="rect">

--- a/format-encodings/slide_presentations/.hidden/introduction-to-numbering-systems.pptx
+++ b/format-encodings/slide_presentations/.hidden/introduction-to-numbering-systems.pptx
@@ -10259,17 +10259,28 @@
               </a:ext>
             </a:extLst>
           </p:cNvPr>
-          <p:cNvCxnSpPr/>
+          <p:cNvCxnSpPr>
+            <a:cxnSpLocks/>
+          </p:cNvCxnSpPr>
           <p:nvPr/>
         </p:nvCxnSpPr>
         <p:spPr>
           <a:xfrm>
-            <a:off x="1699379" y="4106636"/>
-            <a:ext cx="473934" cy="669471"/>
+            <a:off x="1627417" y="4129416"/>
+            <a:ext cx="482098" cy="463468"/>
           </a:xfrm>
           <a:prstGeom prst="line">
             <a:avLst/>
           </a:prstGeom>
+          <a:ln w="38100">
+            <a:solidFill>
+              <a:schemeClr val="accent1">
+                <a:shade val="95000"/>
+                <a:satMod val="105000"/>
+                <a:alpha val="40993"/>
+              </a:schemeClr>
+            </a:solidFill>
+          </a:ln>
         </p:spPr>
         <p:style>
           <a:lnRef idx="1">
